--- a/CAPSTONE_PROJECT_1.pptx
+++ b/CAPSTONE_PROJECT_1.pptx
@@ -108,6 +108,11 @@
       </a:defRPr>
     </a:lvl9pPr>
   </p:defaultTextStyle>
+  <p:extLst>
+    <p:ext uri="{EFAFB233-063F-42B5-8137-9DF3F51BA10A}">
+      <p15:sldGuideLst xmlns:p15="http://schemas.microsoft.com/office/powerpoint/2012/main"/>
+    </p:ext>
+  </p:extLst>
 </p:presentation>
 </file>
 
@@ -3600,9 +3605,16 @@
             <p:ph type="subTitle" idx="1"/>
           </p:nvPr>
         </p:nvSpPr>
-        <p:spPr/>
-        <p:txBody>
-          <a:bodyPr/>
+        <p:spPr>
+          <a:xfrm>
+            <a:off x="2417780" y="3531204"/>
+            <a:ext cx="8637072" cy="1429103"/>
+          </a:xfrm>
+        </p:spPr>
+        <p:txBody>
+          <a:bodyPr>
+            <a:normAutofit/>
+          </a:bodyPr>
           <a:lstStyle/>
           <a:p>
             <a:r>
@@ -3629,7 +3641,13 @@
             </a:r>
             <a:r>
               <a:rPr lang="en-US" dirty="0"/>
-              <a:t> development center, USA</a:t>
+              <a:t> development center, USA  </a:t>
+            </a:r>
+          </a:p>
+          <a:p>
+            <a:r>
+              <a:rPr lang="en-US" dirty="0"/>
+              <a:t>APRIL 2017</a:t>
             </a:r>
           </a:p>
         </p:txBody>
